--- a/Вступ Заочка 2024.pptx
+++ b/Вступ Заочка 2024.pptx
@@ -253,7 +253,7 @@
   </p:defaultTextStyle>
   <p:extLst>
     <p:ext uri="{EFAFB233-063F-42B5-8137-9DF3F51BA10A}">
-      <p15:sldGuideLst xmlns="" xmlns:mc="http://schemas.openxmlformats.org/markup-compatibility/2006" xmlns:mv="urn:schemas-microsoft-com:mac:vml" xmlns:c="http://schemas.openxmlformats.org/drawingml/2006/chart" xmlns:dgm="http://schemas.openxmlformats.org/drawingml/2006/diagram" xmlns:o="urn:schemas-microsoft-com:office:office" xmlns:v="urn:schemas-microsoft-com:vml" xmlns:pvml="urn:schemas-microsoft-com:office:powerpoint" xmlns:com="http://schemas.openxmlformats.org/drawingml/2006/compatibility" xmlns:p14="http://schemas.microsoft.com/office/powerpoint/2010/main" xmlns:p15="http://schemas.microsoft.com/office/powerpoint/2012/main" xmlns:ahyp="http://schemas.microsoft.com/office/drawing/2018/hyperlinkcolor">
+      <p15:sldGuideLst xmlns:ahyp="http://schemas.microsoft.com/office/drawing/2018/hyperlinkcolor" xmlns:p15="http://schemas.microsoft.com/office/powerpoint/2012/main" xmlns:p14="http://schemas.microsoft.com/office/powerpoint/2010/main" xmlns:com="http://schemas.openxmlformats.org/drawingml/2006/compatibility" xmlns:pvml="urn:schemas-microsoft-com:office:powerpoint" xmlns:v="urn:schemas-microsoft-com:vml" xmlns:o="urn:schemas-microsoft-com:office:office" xmlns:dgm="http://schemas.openxmlformats.org/drawingml/2006/diagram" xmlns:c="http://schemas.openxmlformats.org/drawingml/2006/chart" xmlns:mv="urn:schemas-microsoft-com:mac:vml" xmlns:mc="http://schemas.openxmlformats.org/markup-compatibility/2006" xmlns="">
         <p15:guide id="1" orient="horz" pos="1620">
           <p15:clr>
             <a:srgbClr val="A4A3A4"/>
@@ -7657,11 +7657,7 @@
             </a:r>
             <a:r>
               <a:rPr lang="ru" dirty="0" smtClean="0"/>
-              <a:t>10</a:t>
-            </a:r>
-            <a:r>
-              <a:rPr lang="ru" dirty="0" smtClean="0"/>
-              <a:t>.03.2024 </a:t>
+              <a:t>10.03.2024 </a:t>
             </a:r>
             <a:r>
               <a:rPr lang="ru" dirty="0"/>
@@ -7729,8 +7725,58 @@
         </p:nvSpPr>
         <p:spPr>
           <a:xfrm>
-            <a:off x="5476868" y="2181025"/>
-            <a:ext cx="1211525" cy="369301"/>
+            <a:off x="5476869" y="2181025"/>
+            <a:ext cx="1110182" cy="369301"/>
+          </a:xfrm>
+          <a:prstGeom prst="rect">
+            <a:avLst/>
+          </a:prstGeom>
+          <a:solidFill>
+            <a:schemeClr val="accent4"/>
+          </a:solidFill>
+          <a:ln w="9525" cap="flat" cmpd="sng">
+            <a:solidFill>
+              <a:schemeClr val="dk2"/>
+            </a:solidFill>
+            <a:prstDash val="solid"/>
+            <a:round/>
+            <a:headEnd type="none" w="sm" len="sm"/>
+            <a:tailEnd type="none" w="sm" len="sm"/>
+          </a:ln>
+        </p:spPr>
+        <p:txBody>
+          <a:bodyPr spcFirstLastPara="1" wrap="square" lIns="91425" tIns="91425" rIns="91425" bIns="91425" anchor="ctr" anchorCtr="0">
+            <a:noAutofit/>
+          </a:bodyPr>
+          <a:lstStyle/>
+          <a:p>
+            <a:pPr marL="0" lvl="0" indent="0" algn="l" rtl="0">
+              <a:spcBef>
+                <a:spcPts val="0"/>
+              </a:spcBef>
+              <a:spcAft>
+                <a:spcPts val="0"/>
+              </a:spcAft>
+              <a:buNone/>
+            </a:pPr>
+            <a:r>
+              <a:rPr lang="ru" sz="1200" dirty="0"/>
+              <a:t>+1 coursera сертифікат</a:t>
+            </a:r>
+            <a:endParaRPr sz="1200" dirty="0"/>
+          </a:p>
+        </p:txBody>
+      </p:sp>
+      <p:sp>
+        <p:nvSpPr>
+          <p:cNvPr id="17" name="Google Shape;75;p14"/>
+          <p:cNvSpPr/>
+          <p:nvPr/>
+        </p:nvSpPr>
+        <p:spPr>
+          <a:xfrm>
+            <a:off x="6627550" y="2202449"/>
+            <a:ext cx="1164775" cy="369301"/>
           </a:xfrm>
           <a:prstGeom prst="rect">
             <a:avLst/>
@@ -8554,23 +8600,11 @@
             </a:pPr>
             <a:r>
               <a:rPr lang="ru" dirty="0"/>
-              <a:t>1 сертифікат дає </a:t>
-            </a:r>
-            <a:r>
-              <a:rPr lang="ru" dirty="0"/>
-              <a:t>9</a:t>
+              <a:t>1 сертифікат дає 9</a:t>
             </a:r>
             <a:r>
               <a:rPr lang="ru" dirty="0" smtClean="0"/>
-              <a:t>0 </a:t>
-            </a:r>
-            <a:r>
-              <a:rPr lang="ru" dirty="0" smtClean="0"/>
-              <a:t>(</a:t>
-            </a:r>
-            <a:r>
-              <a:rPr lang="ru" dirty="0" smtClean="0"/>
-              <a:t>60+1курс+10</a:t>
+              <a:t>0 (60+1курс+10</a:t>
             </a:r>
             <a:r>
               <a:rPr lang="ru" dirty="0"/>
@@ -8597,7 +8631,11 @@
             </a:r>
             <a:r>
               <a:rPr lang="ru" dirty="0" smtClean="0"/>
-              <a:t>90 </a:t>
+              <a:t>10</a:t>
+            </a:r>
+            <a:r>
+              <a:rPr lang="ru" dirty="0" smtClean="0"/>
+              <a:t>0 </a:t>
             </a:r>
             <a:r>
               <a:rPr lang="ru" dirty="0"/>
@@ -8667,11 +8705,7 @@
             </a:pPr>
             <a:r>
               <a:rPr lang="ru" dirty="0"/>
-              <a:t>+ </a:t>
-            </a:r>
-            <a:r>
-              <a:rPr lang="ru" dirty="0"/>
-              <a:t>1</a:t>
+              <a:t>+ 1</a:t>
             </a:r>
             <a:r>
               <a:rPr lang="ru" dirty="0" smtClean="0"/>
@@ -8682,8 +8716,12 @@
               <a:t>сертифікат дає </a:t>
             </a:r>
             <a:r>
+              <a:rPr lang="ru" dirty="0"/>
+              <a:t>9</a:t>
+            </a:r>
+            <a:r>
               <a:rPr lang="ru" dirty="0" smtClean="0"/>
-              <a:t>80 </a:t>
+              <a:t>0 </a:t>
             </a:r>
             <a:r>
               <a:rPr lang="ru" dirty="0"/>
@@ -8703,11 +8741,7 @@
             </a:pPr>
             <a:r>
               <a:rPr lang="ru" dirty="0"/>
-              <a:t>+ </a:t>
-            </a:r>
-            <a:r>
-              <a:rPr lang="ru" dirty="0"/>
-              <a:t>2</a:t>
+              <a:t>+ 2</a:t>
             </a:r>
             <a:r>
               <a:rPr lang="ru" dirty="0" smtClean="0"/>
@@ -8718,8 +8752,12 @@
               <a:t>сертифікати дає </a:t>
             </a:r>
             <a:r>
+              <a:rPr lang="ru" dirty="0"/>
+              <a:t>9</a:t>
+            </a:r>
+            <a:r>
               <a:rPr lang="ru" dirty="0" smtClean="0"/>
-              <a:t>80 </a:t>
+              <a:t>0 </a:t>
             </a:r>
             <a:r>
               <a:rPr lang="ru" dirty="0"/>
@@ -8739,11 +8777,7 @@
             </a:pPr>
             <a:r>
               <a:rPr lang="ru" dirty="0"/>
-              <a:t>+ </a:t>
-            </a:r>
-            <a:r>
-              <a:rPr lang="ru" dirty="0"/>
-              <a:t>3</a:t>
+              <a:t>+ 3</a:t>
             </a:r>
             <a:r>
               <a:rPr lang="ru" dirty="0" smtClean="0"/>
@@ -8754,8 +8788,16 @@
               <a:t>сертифікати дає </a:t>
             </a:r>
             <a:r>
+              <a:rPr lang="ru" dirty="0"/>
+              <a:t>9</a:t>
+            </a:r>
+            <a:r>
               <a:rPr lang="ru" dirty="0" smtClean="0"/>
-              <a:t>80 балів </a:t>
+              <a:t>0 </a:t>
+            </a:r>
+            <a:r>
+              <a:rPr lang="ru" dirty="0" smtClean="0"/>
+              <a:t>балів </a:t>
             </a:r>
             <a:endParaRPr dirty="0"/>
           </a:p>
@@ -8926,27 +8968,7 @@
             </a:r>
             <a:r>
               <a:rPr lang="uk-UA" dirty="0" smtClean="0"/>
-              <a:t> усіх </a:t>
-            </a:r>
-            <a:r>
-              <a:rPr lang="uk-UA" dirty="0" smtClean="0"/>
-              <a:t>робіт орієнтовно (точна дата екзамену невідома) </a:t>
-            </a:r>
-            <a:r>
-              <a:rPr lang="uk-UA" dirty="0" smtClean="0"/>
-              <a:t>– </a:t>
-            </a:r>
-            <a:r>
-              <a:rPr lang="uk-UA" dirty="0" smtClean="0"/>
-              <a:t>01</a:t>
-            </a:r>
-            <a:r>
-              <a:rPr lang="uk-UA" dirty="0" smtClean="0"/>
-              <a:t>.07.2024</a:t>
-            </a:r>
-            <a:r>
-              <a:rPr lang="uk-UA" dirty="0" smtClean="0"/>
-              <a:t>. Усі роботи здані після </a:t>
+              <a:t> усіх робіт орієнтовно (точна дата екзамену невідома) – 01.07.2024. Усі роботи здані після </a:t>
             </a:r>
             <a:r>
               <a:rPr lang="uk-UA" dirty="0" err="1" smtClean="0"/>
@@ -8989,15 +9011,7 @@
             </a:r>
             <a:r>
               <a:rPr lang="uk-UA" dirty="0" smtClean="0"/>
-              <a:t> обставини що заважають виконати роботи вчасно – про них потрібно повідомити відразу при виникненні. Пост </a:t>
-            </a:r>
-            <a:r>
-              <a:rPr lang="uk-UA" dirty="0" smtClean="0"/>
-              <a:t>факту </a:t>
-            </a:r>
-            <a:r>
-              <a:rPr lang="uk-UA" dirty="0" smtClean="0"/>
-              <a:t>будь-які обставини не вважаються достатніми для урахування.</a:t>
+              <a:t> обставини що заважають виконати роботи вчасно – про них потрібно повідомити відразу при виникненні. Пост факту будь-які обставини не вважаються достатніми для урахування.</a:t>
             </a:r>
           </a:p>
           <a:p>
